--- a/content/docs/theory-analysis/kubernetes-pod-gracefully-termination/images/images.pptx
+++ b/content/docs/theory-analysis/kubernetes-pod-gracefully-termination/images/images.pptx
@@ -231,7 +231,7 @@
           <a:p>
             <a:fld id="{6CD5550B-26C4-49A9-A5BA-636EF7BE6CE9}" type="datetimeFigureOut">
               <a:rPr lang="ko-KR" altLang="en-US" smtClean="0"/>
-              <a:t>2025. 1. 9.</a:t>
+              <a:t>2025. 1. 10.</a:t>
             </a:fld>
             <a:endParaRPr lang="ko-KR" altLang="en-US"/>
           </a:p>
@@ -2189,7 +2189,7 @@
           <a:p>
             <a:fld id="{FB30EDBD-1C2D-4C1E-B459-B60219FAB484}" type="datetimeFigureOut">
               <a:rPr lang="ko-KR" altLang="en-US" smtClean="0"/>
-              <a:t>2025. 1. 9.</a:t>
+              <a:t>2025. 1. 10.</a:t>
             </a:fld>
             <a:endParaRPr lang="ko-KR" altLang="en-US"/>
           </a:p>
@@ -2352,7 +2352,7 @@
           <a:p>
             <a:fld id="{FB30EDBD-1C2D-4C1E-B459-B60219FAB484}" type="datetimeFigureOut">
               <a:rPr lang="ko-KR" altLang="en-US" smtClean="0"/>
-              <a:t>2025. 1. 9.</a:t>
+              <a:t>2025. 1. 10.</a:t>
             </a:fld>
             <a:endParaRPr lang="ko-KR" altLang="en-US"/>
           </a:p>
@@ -2525,7 +2525,7 @@
           <a:p>
             <a:fld id="{FB30EDBD-1C2D-4C1E-B459-B60219FAB484}" type="datetimeFigureOut">
               <a:rPr lang="ko-KR" altLang="en-US" smtClean="0"/>
-              <a:t>2025. 1. 9.</a:t>
+              <a:t>2025. 1. 10.</a:t>
             </a:fld>
             <a:endParaRPr lang="ko-KR" altLang="en-US"/>
           </a:p>
@@ -2688,7 +2688,7 @@
           <a:p>
             <a:fld id="{FB30EDBD-1C2D-4C1E-B459-B60219FAB484}" type="datetimeFigureOut">
               <a:rPr lang="ko-KR" altLang="en-US" smtClean="0"/>
-              <a:t>2025. 1. 9.</a:t>
+              <a:t>2025. 1. 10.</a:t>
             </a:fld>
             <a:endParaRPr lang="ko-KR" altLang="en-US"/>
           </a:p>
@@ -2928,7 +2928,7 @@
           <a:p>
             <a:fld id="{FB30EDBD-1C2D-4C1E-B459-B60219FAB484}" type="datetimeFigureOut">
               <a:rPr lang="ko-KR" altLang="en-US" smtClean="0"/>
-              <a:t>2025. 1. 9.</a:t>
+              <a:t>2025. 1. 10.</a:t>
             </a:fld>
             <a:endParaRPr lang="ko-KR" altLang="en-US"/>
           </a:p>
@@ -3208,7 +3208,7 @@
           <a:p>
             <a:fld id="{FB30EDBD-1C2D-4C1E-B459-B60219FAB484}" type="datetimeFigureOut">
               <a:rPr lang="ko-KR" altLang="en-US" smtClean="0"/>
-              <a:t>2025. 1. 9.</a:t>
+              <a:t>2025. 1. 10.</a:t>
             </a:fld>
             <a:endParaRPr lang="ko-KR" altLang="en-US"/>
           </a:p>
@@ -3622,7 +3622,7 @@
           <a:p>
             <a:fld id="{FB30EDBD-1C2D-4C1E-B459-B60219FAB484}" type="datetimeFigureOut">
               <a:rPr lang="ko-KR" altLang="en-US" smtClean="0"/>
-              <a:t>2025. 1. 9.</a:t>
+              <a:t>2025. 1. 10.</a:t>
             </a:fld>
             <a:endParaRPr lang="ko-KR" altLang="en-US"/>
           </a:p>
@@ -3734,7 +3734,7 @@
           <a:p>
             <a:fld id="{FB30EDBD-1C2D-4C1E-B459-B60219FAB484}" type="datetimeFigureOut">
               <a:rPr lang="ko-KR" altLang="en-US" smtClean="0"/>
-              <a:t>2025. 1. 9.</a:t>
+              <a:t>2025. 1. 10.</a:t>
             </a:fld>
             <a:endParaRPr lang="ko-KR" altLang="en-US"/>
           </a:p>
@@ -3824,7 +3824,7 @@
           <a:p>
             <a:fld id="{FB30EDBD-1C2D-4C1E-B459-B60219FAB484}" type="datetimeFigureOut">
               <a:rPr lang="ko-KR" altLang="en-US" smtClean="0"/>
-              <a:t>2025. 1. 9.</a:t>
+              <a:t>2025. 1. 10.</a:t>
             </a:fld>
             <a:endParaRPr lang="ko-KR" altLang="en-US"/>
           </a:p>
@@ -4094,7 +4094,7 @@
           <a:p>
             <a:fld id="{FB30EDBD-1C2D-4C1E-B459-B60219FAB484}" type="datetimeFigureOut">
               <a:rPr lang="ko-KR" altLang="en-US" smtClean="0"/>
-              <a:t>2025. 1. 9.</a:t>
+              <a:t>2025. 1. 10.</a:t>
             </a:fld>
             <a:endParaRPr lang="ko-KR" altLang="en-US"/>
           </a:p>
@@ -4341,7 +4341,7 @@
           <a:p>
             <a:fld id="{FB30EDBD-1C2D-4C1E-B459-B60219FAB484}" type="datetimeFigureOut">
               <a:rPr lang="ko-KR" altLang="en-US" smtClean="0"/>
-              <a:t>2025. 1. 9.</a:t>
+              <a:t>2025. 1. 10.</a:t>
             </a:fld>
             <a:endParaRPr lang="ko-KR" altLang="en-US"/>
           </a:p>
@@ -4547,7 +4547,7 @@
           <a:p>
             <a:fld id="{FB30EDBD-1C2D-4C1E-B459-B60219FAB484}" type="datetimeFigureOut">
               <a:rPr lang="ko-KR" altLang="en-US" smtClean="0"/>
-              <a:t>2025. 1. 9.</a:t>
+              <a:t>2025. 1. 10.</a:t>
             </a:fld>
             <a:endParaRPr lang="ko-KR" altLang="en-US"/>
           </a:p>
@@ -6173,8 +6173,8 @@
         </p:nvSpPr>
         <p:spPr>
           <a:xfrm>
-            <a:off x="2505203" y="1247845"/>
-            <a:ext cx="1832553" cy="215444"/>
+            <a:off x="2556499" y="1247845"/>
+            <a:ext cx="1729961" cy="215444"/>
           </a:xfrm>
           <a:prstGeom prst="rect">
             <a:avLst/>
@@ -6196,7 +6196,7 @@
                   <a:schemeClr val="accent2"/>
                 </a:solidFill>
               </a:rPr>
-              <a:t>Endpoint Slice Propagation Delay</a:t>
+              <a:t>kube-proxy Propagation Delay</a:t>
             </a:r>
             <a:endParaRPr lang="en-KR" sz="800" b="1">
               <a:solidFill>
@@ -26904,8 +26904,8 @@
         </p:nvSpPr>
         <p:spPr>
           <a:xfrm>
-            <a:off x="2505203" y="1247845"/>
-            <a:ext cx="1832553" cy="215444"/>
+            <a:off x="2574934" y="1247845"/>
+            <a:ext cx="1693091" cy="215444"/>
           </a:xfrm>
           <a:prstGeom prst="rect">
             <a:avLst/>
@@ -26927,7 +26927,7 @@
                   <a:schemeClr val="accent2"/>
                 </a:solidFill>
               </a:rPr>
-              <a:t>Endpoint Slice Propagation Delay</a:t>
+              <a:t>kube-proxy Propagation Delay</a:t>
             </a:r>
             <a:endParaRPr lang="en-KR" sz="800" b="1">
               <a:solidFill>
@@ -28693,8 +28693,8 @@
         </p:nvSpPr>
         <p:spPr>
           <a:xfrm>
-            <a:off x="2505203" y="1247845"/>
-            <a:ext cx="1832553" cy="215444"/>
+            <a:off x="2574934" y="1247845"/>
+            <a:ext cx="1693091" cy="215444"/>
           </a:xfrm>
           <a:prstGeom prst="rect">
             <a:avLst/>
@@ -28716,7 +28716,7 @@
                   <a:schemeClr val="accent2"/>
                 </a:solidFill>
               </a:rPr>
-              <a:t>Endpoint Slice Propagation Delay</a:t>
+              <a:t>kube-proxy Propagation Delay</a:t>
             </a:r>
             <a:endParaRPr lang="en-KR" sz="800" b="1">
               <a:solidFill>
@@ -31060,8 +31060,8 @@
         </p:nvSpPr>
         <p:spPr>
           <a:xfrm>
-            <a:off x="2505203" y="1247845"/>
-            <a:ext cx="1832553" cy="215444"/>
+            <a:off x="2574934" y="1247845"/>
+            <a:ext cx="1693091" cy="215444"/>
           </a:xfrm>
           <a:prstGeom prst="rect">
             <a:avLst/>
@@ -31083,7 +31083,7 @@
                   <a:schemeClr val="accent2"/>
                 </a:solidFill>
               </a:rPr>
-              <a:t>Endpoint Slice Propagation Delay</a:t>
+              <a:t>kube-proxy Propagation Delay</a:t>
             </a:r>
             <a:endParaRPr lang="en-KR" sz="800" b="1">
               <a:solidFill>
